--- a/training-cards/agile moves/Ideas (IDE)/ger/apprentice/ger_IDE_02_Ich_hab_ne_Idee_AM_A.pptx
+++ b/training-cards/agile moves/Ideas (IDE)/ger/apprentice/ger_IDE_02_Ich_hab_ne_Idee_AM_A.pptx
@@ -105,6 +105,22 @@
       </a:defRPr>
     </a:lvl9pPr>
   </p:defaultTextStyle>
+  <p:extLst>
+    <p:ext uri="{EFAFB233-063F-42B5-8137-9DF3F51BA10A}">
+      <p15:sldGuideLst xmlns:p15="http://schemas.microsoft.com/office/powerpoint/2012/main">
+        <p15:guide id="1" orient="horz" pos="1103">
+          <p15:clr>
+            <a:srgbClr val="A4A3A4"/>
+          </p15:clr>
+        </p15:guide>
+        <p15:guide id="2" pos="772">
+          <p15:clr>
+            <a:srgbClr val="A4A3A4"/>
+          </p15:clr>
+        </p15:guide>
+      </p15:sldGuideLst>
+    </p:ext>
+  </p:extLst>
 </p:presentation>
 </file>
 
@@ -556,6 +572,162 @@
           </a:prstGeom>
         </p:spPr>
       </p:pic>
+      <p:sp>
+        <p:nvSpPr>
+          <p:cNvPr id="5" name="Textfeld 4"/>
+          <p:cNvSpPr txBox="1"/>
+          <p:nvPr userDrawn="1"/>
+        </p:nvSpPr>
+        <p:spPr>
+          <a:xfrm>
+            <a:off x="239285" y="4936890"/>
+            <a:ext cx="1044856" cy="276999"/>
+          </a:xfrm>
+          <a:prstGeom prst="rect">
+            <a:avLst/>
+          </a:prstGeom>
+          <a:noFill/>
+        </p:spPr>
+        <p:txBody>
+          <a:bodyPr wrap="square" rtlCol="0">
+            <a:spAutoFit/>
+          </a:bodyPr>
+          <a:lstStyle/>
+          <a:p>
+            <a:r>
+              <a:rPr lang="de-DE" sz="600" dirty="0">
+                <a:solidFill>
+                  <a:srgbClr val="5D5E5F"/>
+                </a:solidFill>
+                <a:latin typeface="Avenir Light"/>
+                <a:cs typeface="Avenir Light"/>
+              </a:rPr>
+              <a:t>Letzte Änderung: </a:t>
+            </a:r>
+            <a:fld id="{7A8C7DAC-E536-564C-B5B3-90E8FAB50562}" type="datetime1">
+              <a:rPr lang="de-DE" sz="600" smtClean="0">
+                <a:solidFill>
+                  <a:srgbClr val="5D5E5F"/>
+                </a:solidFill>
+                <a:latin typeface="Avenir Light"/>
+                <a:cs typeface="Avenir Light"/>
+              </a:rPr>
+              <a:t>04.11.15</a:t>
+            </a:fld>
+            <a:endParaRPr lang="de-DE" sz="600" dirty="0">
+              <a:solidFill>
+                <a:srgbClr val="5D5E5F"/>
+              </a:solidFill>
+              <a:latin typeface="Avenir Light"/>
+              <a:cs typeface="Avenir Light"/>
+            </a:endParaRPr>
+          </a:p>
+        </p:txBody>
+      </p:sp>
+      <p:sp>
+        <p:nvSpPr>
+          <p:cNvPr id="6" name="Shape 7"/>
+          <p:cNvSpPr/>
+          <p:nvPr userDrawn="1"/>
+        </p:nvSpPr>
+        <p:spPr>
+          <a:xfrm>
+            <a:off x="1619767" y="4952581"/>
+            <a:ext cx="4164935" cy="276995"/>
+          </a:xfrm>
+          <a:prstGeom prst="rect">
+            <a:avLst/>
+          </a:prstGeom>
+          <a:ln w="12700">
+            <a:miter lim="400000"/>
+          </a:ln>
+          <a:extLst>
+            <a:ext uri="{C572A759-6A51-4108-AA02-DFA0A04FC94B}">
+              <ma14:wrappingTextBoxFlag xmlns:ma14="http://schemas.microsoft.com/office/mac/drawingml/2011/main" val="1"/>
+            </a:ext>
+          </a:extLst>
+        </p:spPr>
+        <p:txBody>
+          <a:bodyPr wrap="none" lIns="45718" tIns="45718" rIns="45718" bIns="45718">
+            <a:spAutoFit/>
+          </a:bodyPr>
+          <a:lstStyle/>
+          <a:p>
+            <a:pPr lvl="0" algn="ctr">
+              <a:defRPr sz="1800"/>
+            </a:pPr>
+            <a:r>
+              <a:rPr sz="600" dirty="0">
+                <a:latin typeface="Avenir Light"/>
+                <a:ea typeface="Calibri"/>
+                <a:cs typeface="Avenir Light"/>
+                <a:sym typeface="Calibri"/>
+              </a:rPr>
+              <a:t>This work is licensed under the Creative Commons Attribution-NonCommercial-NoDerivatives 4.0 International License. </a:t>
+            </a:r>
+          </a:p>
+          <a:p>
+            <a:pPr lvl="0" algn="ctr">
+              <a:defRPr sz="1800"/>
+            </a:pPr>
+            <a:r>
+              <a:rPr sz="600" dirty="0">
+                <a:latin typeface="Avenir Light"/>
+                <a:ea typeface="Calibri"/>
+                <a:cs typeface="Avenir Light"/>
+                <a:sym typeface="Calibri"/>
+              </a:rPr>
+              <a:t>To view a copy of this license, visit </a:t>
+            </a:r>
+            <a:r>
+              <a:rPr sz="600" dirty="0">
+                <a:latin typeface="Avenir Light"/>
+                <a:ea typeface="Calibri"/>
+                <a:cs typeface="Avenir Light"/>
+                <a:sym typeface="Calibri"/>
+                <a:hlinkClick r:id="rId3"/>
+              </a:rPr>
+              <a:t>http://creativecommons.org/licenses/by-nc-nd/4.0/</a:t>
+            </a:r>
+            <a:r>
+              <a:rPr sz="600" dirty="0">
+                <a:latin typeface="Avenir Light"/>
+                <a:ea typeface="Calibri"/>
+                <a:cs typeface="Avenir Light"/>
+                <a:sym typeface="Calibri"/>
+              </a:rPr>
+              <a:t>.</a:t>
+            </a:r>
+          </a:p>
+        </p:txBody>
+      </p:sp>
+      <p:pic>
+        <p:nvPicPr>
+          <p:cNvPr id="7" name="pasted-image.tif"/>
+          <p:cNvPicPr/>
+          <p:nvPr userDrawn="1"/>
+        </p:nvPicPr>
+        <p:blipFill>
+          <a:blip r:embed="rId4">
+            <a:extLst/>
+          </a:blip>
+          <a:stretch>
+            <a:fillRect/>
+          </a:stretch>
+        </p:blipFill>
+        <p:spPr>
+          <a:xfrm>
+            <a:off x="6174185" y="4992838"/>
+            <a:ext cx="886619" cy="214128"/>
+          </a:xfrm>
+          <a:prstGeom prst="rect">
+            <a:avLst/>
+          </a:prstGeom>
+          <a:ln w="12700">
+            <a:miter lim="400000"/>
+          </a:ln>
+        </p:spPr>
+      </p:pic>
     </p:spTree>
     <p:extLst>
       <p:ext uri="{BB962C8B-B14F-4D97-AF65-F5344CB8AC3E}">
@@ -755,7 +927,7 @@
           <a:p>
             <a:fld id="{FF5B2BAF-DF38-0A48-A798-0C06E514FD52}" type="datetimeFigureOut">
               <a:rPr lang="de-DE" smtClean="0"/>
-              <a:t>09.08.15</a:t>
+              <a:t>04.11.15</a:t>
             </a:fld>
             <a:endParaRPr lang="de-DE" dirty="0"/>
           </a:p>
@@ -978,7 +1150,7 @@
           <a:p>
             <a:fld id="{FF5B2BAF-DF38-0A48-A798-0C06E514FD52}" type="datetimeFigureOut">
               <a:rPr lang="de-DE" smtClean="0"/>
-              <a:t>09.08.15</a:t>
+              <a:t>04.11.15</a:t>
             </a:fld>
             <a:endParaRPr lang="de-DE" dirty="0"/>
           </a:p>
@@ -1727,27 +1899,7 @@
                 <a:latin typeface="Avenir Book"/>
                 <a:cs typeface="Avenir Book"/>
               </a:rPr>
-              <a:t>Viele </a:t>
-            </a:r>
-            <a:r>
-              <a:rPr lang="de-DE" dirty="0">
-                <a:solidFill>
-                  <a:srgbClr val="747982"/>
-                </a:solidFill>
-                <a:latin typeface="Avenir Book"/>
-                <a:cs typeface="Avenir Book"/>
-              </a:rPr>
-              <a:t>Ideen, die uns am Tag kommen, sind nur einen kleinen Augenblick präsent und geraten dann wieder ins Vergessen oder werden bewusst verdrängt</a:t>
-            </a:r>
-            <a:r>
-              <a:rPr lang="de-DE" dirty="0">
-                <a:solidFill>
-                  <a:srgbClr val="747982"/>
-                </a:solidFill>
-                <a:latin typeface="Avenir Book"/>
-                <a:cs typeface="Avenir Book"/>
-              </a:rPr>
-              <a:t>.</a:t>
+              <a:t>Viele Ideen, die uns am Tag kommen, sind nur einen kleinen Augenblick präsent und geraten dann wieder ins Vergessen oder werden bewusst verdrängt.</a:t>
             </a:r>
           </a:p>
           <a:p>
@@ -1767,27 +1919,7 @@
                 <a:latin typeface="Avenir Book"/>
                 <a:cs typeface="Avenir Book"/>
               </a:rPr>
-              <a:t>Oft </a:t>
-            </a:r>
-            <a:r>
-              <a:rPr lang="de-DE" dirty="0">
-                <a:solidFill>
-                  <a:srgbClr val="747982"/>
-                </a:solidFill>
-                <a:latin typeface="Avenir Book"/>
-                <a:cs typeface="Avenir Book"/>
-              </a:rPr>
-              <a:t>zensieren wir uns selbst, bevor unsere Idee auch nur den Hauch einer Chance hatte, ans Tageslicht zu gelangen, zu gedeihen und zu wachsen</a:t>
-            </a:r>
-            <a:r>
-              <a:rPr lang="de-DE" dirty="0">
-                <a:solidFill>
-                  <a:srgbClr val="747982"/>
-                </a:solidFill>
-                <a:latin typeface="Avenir Book"/>
-                <a:cs typeface="Avenir Book"/>
-              </a:rPr>
-              <a:t>.</a:t>
+              <a:t>Oft zensieren wir uns selbst, bevor unsere Idee auch nur den Hauch einer Chance hatte, ans Tageslicht zu gelangen, zu gedeihen und zu wachsen.</a:t>
             </a:r>
           </a:p>
           <a:p>
@@ -1807,47 +1939,7 @@
                 <a:latin typeface="Avenir Book"/>
                 <a:cs typeface="Avenir Book"/>
               </a:rPr>
-              <a:t>Selbst </a:t>
-            </a:r>
-            <a:r>
-              <a:rPr lang="de-DE" dirty="0">
-                <a:solidFill>
-                  <a:srgbClr val="747982"/>
-                </a:solidFill>
-                <a:latin typeface="Avenir Book"/>
-                <a:cs typeface="Avenir Book"/>
-              </a:rPr>
-              <a:t>wenn ich Ideen habe, gibt es </a:t>
-            </a:r>
-            <a:r>
-              <a:rPr lang="de-DE" dirty="0">
-                <a:solidFill>
-                  <a:srgbClr val="747982"/>
-                </a:solidFill>
-                <a:latin typeface="Avenir Book"/>
-                <a:cs typeface="Avenir Book"/>
-              </a:rPr>
-              <a:t>oft </a:t>
-            </a:r>
-            <a:r>
-              <a:rPr lang="de-DE" dirty="0">
-                <a:solidFill>
-                  <a:srgbClr val="747982"/>
-                </a:solidFill>
-                <a:latin typeface="Avenir Book"/>
-                <a:cs typeface="Avenir Book"/>
-              </a:rPr>
-              <a:t>Situationen, in denen diese Ideen keinen Raum finden. Zum Beispiel, wenn sie in einem hierarchischen Arbeitsumfeld an meinen Vorgesetzten scheitern</a:t>
-            </a:r>
-            <a:r>
-              <a:rPr lang="de-DE" dirty="0">
-                <a:solidFill>
-                  <a:srgbClr val="747982"/>
-                </a:solidFill>
-                <a:latin typeface="Avenir Book"/>
-                <a:cs typeface="Avenir Book"/>
-              </a:rPr>
-              <a:t>.</a:t>
+              <a:t>Selbst wenn ich Ideen habe, gibt es oft Situationen, in denen diese Ideen keinen Raum finden. Zum Beispiel, wenn sie in einem hierarchischen Arbeitsumfeld an meinen Vorgesetzten scheitern.</a:t>
             </a:r>
           </a:p>
           <a:p>
@@ -1867,27 +1959,7 @@
                 <a:latin typeface="Avenir Book"/>
                 <a:cs typeface="Avenir Book"/>
               </a:rPr>
-              <a:t>Zurück </a:t>
-            </a:r>
-            <a:r>
-              <a:rPr lang="de-DE" dirty="0">
-                <a:solidFill>
-                  <a:srgbClr val="747982"/>
-                </a:solidFill>
-                <a:latin typeface="Avenir Book"/>
-                <a:cs typeface="Avenir Book"/>
-              </a:rPr>
-              <a:t>bleibt das schale Gefühl, keine guten Ideen zu haben und/oder dafür keine Wertschätzung zu erfahren, teilweise nicht einmal von sich </a:t>
-            </a:r>
-            <a:r>
-              <a:rPr lang="de-DE" dirty="0">
-                <a:solidFill>
-                  <a:srgbClr val="747982"/>
-                </a:solidFill>
-                <a:latin typeface="Avenir Book"/>
-                <a:cs typeface="Avenir Book"/>
-              </a:rPr>
-              <a:t>selbst.</a:t>
+              <a:t>Zurück bleibt das schale Gefühl, keine guten Ideen zu haben und/oder dafür keine Wertschätzung zu erfahren, teilweise nicht einmal von sich selbst.</a:t>
             </a:r>
           </a:p>
           <a:p>
@@ -1907,27 +1979,7 @@
                 <a:latin typeface="Avenir Book"/>
                 <a:cs typeface="Avenir Book"/>
               </a:rPr>
-              <a:t>Ideen </a:t>
-            </a:r>
-            <a:r>
-              <a:rPr lang="de-DE" dirty="0">
-                <a:solidFill>
-                  <a:srgbClr val="747982"/>
-                </a:solidFill>
-                <a:latin typeface="Avenir Book"/>
-                <a:cs typeface="Avenir Book"/>
-              </a:rPr>
-              <a:t>sind eine Quelle, die jeder Mensch zur Verfügung hat und die man freilegen kann, wenn man sich seiner eigenen Ideen bewusst wird und beginnt, dafür eine Wertschätzung aufzubauen</a:t>
-            </a:r>
-            <a:r>
-              <a:rPr lang="de-DE" dirty="0">
-                <a:solidFill>
-                  <a:srgbClr val="747982"/>
-                </a:solidFill>
-                <a:latin typeface="Avenir Book"/>
-                <a:cs typeface="Avenir Book"/>
-              </a:rPr>
-              <a:t>.</a:t>
+              <a:t>Ideen sind eine Quelle, die jeder Mensch zur Verfügung hat und die man freilegen kann, wenn man sich seiner eigenen Ideen bewusst wird und beginnt, dafür eine Wertschätzung aufzubauen.</a:t>
             </a:r>
           </a:p>
           <a:p>
@@ -1947,27 +1999,7 @@
                 <a:latin typeface="Avenir Book"/>
                 <a:cs typeface="Avenir Book"/>
               </a:rPr>
-              <a:t>Dazu </a:t>
-            </a:r>
-            <a:r>
-              <a:rPr lang="de-DE" dirty="0">
-                <a:solidFill>
-                  <a:srgbClr val="747982"/>
-                </a:solidFill>
-                <a:latin typeface="Avenir Book"/>
-                <a:cs typeface="Avenir Book"/>
-              </a:rPr>
-              <a:t>ist es notwendig, den eigenen Ideenfluss in Gang zu bringen und zunächst eine Zeit lang einfach alle Ideen unzensiert aufzuschreiben, die einem in den Sinn kommen - egal wie groß, klein, vielversprechend, unbedeutend, realisierbar oder unsinnig sie sein mögen</a:t>
-            </a:r>
-            <a:r>
-              <a:rPr lang="de-DE" dirty="0">
-                <a:solidFill>
-                  <a:srgbClr val="747982"/>
-                </a:solidFill>
-                <a:latin typeface="Avenir Book"/>
-                <a:cs typeface="Avenir Book"/>
-              </a:rPr>
-              <a:t>.</a:t>
+              <a:t>Dazu ist es notwendig, den eigenen Ideenfluss in Gang zu bringen und zunächst eine Zeit lang einfach alle Ideen unzensiert aufzuschreiben, die einem in den Sinn kommen - egal wie groß, klein, vielversprechend, unbedeutend, realisierbar oder unsinnig sie sein mögen.</a:t>
             </a:r>
           </a:p>
           <a:p>
@@ -1987,27 +2019,7 @@
                 <a:latin typeface="Avenir Book"/>
                 <a:cs typeface="Avenir Book"/>
               </a:rPr>
-              <a:t>Damit </a:t>
-            </a:r>
-            <a:r>
-              <a:rPr lang="de-DE" dirty="0">
-                <a:solidFill>
-                  <a:srgbClr val="747982"/>
-                </a:solidFill>
-                <a:latin typeface="Avenir Book"/>
-                <a:cs typeface="Avenir Book"/>
-              </a:rPr>
-              <a:t>Du einen Überblick über Deine Ideen hast, solltest Du alle Ideen - egal wie und wo Du sie gesammelt hast - an einer zentralen Stelle </a:t>
-            </a:r>
-            <a:r>
-              <a:rPr lang="de-DE" dirty="0">
-                <a:solidFill>
-                  <a:srgbClr val="747982"/>
-                </a:solidFill>
-                <a:latin typeface="Avenir Book"/>
-                <a:cs typeface="Avenir Book"/>
-              </a:rPr>
-              <a:t>zusammenführen.</a:t>
+              <a:t>Damit Du einen Überblick über Deine Ideen hast, solltest Du alle Ideen - egal wie und wo Du sie gesammelt hast - an einer zentralen Stelle zusammenführen.</a:t>
             </a:r>
           </a:p>
           <a:p>
@@ -2027,7 +2039,17 @@
                 <a:latin typeface="Avenir Book"/>
                 <a:cs typeface="Avenir Book"/>
               </a:rPr>
-              <a:t>Das </a:t>
+              <a:t>Das kann eine Wand mit Post-</a:t>
+            </a:r>
+            <a:r>
+              <a:rPr lang="de-DE" dirty="0" err="1">
+                <a:solidFill>
+                  <a:srgbClr val="747982"/>
+                </a:solidFill>
+                <a:latin typeface="Avenir Book"/>
+                <a:cs typeface="Avenir Book"/>
+              </a:rPr>
+              <a:t>Its</a:t>
             </a:r>
             <a:r>
               <a:rPr lang="de-DE" dirty="0">
@@ -2037,47 +2059,7 @@
                 <a:latin typeface="Avenir Book"/>
                 <a:cs typeface="Avenir Book"/>
               </a:rPr>
-              <a:t>kann eine Wand mit Post-</a:t>
-            </a:r>
-            <a:r>
-              <a:rPr lang="de-DE" dirty="0" err="1">
-                <a:solidFill>
-                  <a:srgbClr val="747982"/>
-                </a:solidFill>
-                <a:latin typeface="Avenir Book"/>
-                <a:cs typeface="Avenir Book"/>
-              </a:rPr>
-              <a:t>Its</a:t>
-            </a:r>
-            <a:r>
-              <a:rPr lang="de-DE" dirty="0">
-                <a:solidFill>
-                  <a:srgbClr val="747982"/>
-                </a:solidFill>
-                <a:latin typeface="Avenir Book"/>
-                <a:cs typeface="Avenir Book"/>
-              </a:rPr>
-              <a:t> oder ein Dokument (z.B</a:t>
-            </a:r>
-            <a:r>
-              <a:rPr lang="de-DE" dirty="0">
-                <a:solidFill>
-                  <a:srgbClr val="747982"/>
-                </a:solidFill>
-                <a:latin typeface="Avenir Book"/>
-                <a:cs typeface="Avenir Book"/>
-              </a:rPr>
-              <a:t>. ein </a:t>
-            </a:r>
-            <a:r>
-              <a:rPr lang="de-DE" dirty="0">
-                <a:solidFill>
-                  <a:srgbClr val="747982"/>
-                </a:solidFill>
-                <a:latin typeface="Avenir Book"/>
-                <a:cs typeface="Avenir Book"/>
-              </a:rPr>
-              <a:t>Ideenbuch) sein. Analoge Medien sind in diesem Fall besser als digitale, weil die Ideen dadurch einen physischen Platz in deiner Welt bekommen.</a:t>
+              <a:t> oder ein Dokument (z.B. ein Ideenbuch) sein. Analoge Medien sind in diesem Fall besser als digitale, weil die Ideen dadurch einen physischen Platz in deiner Welt bekommen.</a:t>
             </a:r>
           </a:p>
         </p:txBody>
@@ -2160,17 +2142,7 @@
                 <a:latin typeface="Avenir Book"/>
                 <a:cs typeface="Avenir Book"/>
               </a:rPr>
-              <a:t>innerhalb von zwei Wochen mindestens 12 Ideen auf. </a:t>
-            </a:r>
-            <a:r>
-              <a:rPr lang="de-DE" dirty="0">
-                <a:solidFill>
-                  <a:srgbClr val="747982"/>
-                </a:solidFill>
-                <a:latin typeface="Avenir Book"/>
-                <a:cs typeface="Avenir Book"/>
-              </a:rPr>
-              <a:t>Was genau eine Idee ausmacht, entscheidest Du selbst.</a:t>
+              <a:t>innerhalb von zwei Wochen mindestens 12 Ideen auf. Was genau eine Idee ausmacht, entscheidest Du selbst.</a:t>
             </a:r>
           </a:p>
           <a:p>
@@ -2310,20 +2282,10 @@
                 <a:latin typeface="Avenir Book"/>
                 <a:cs typeface="Avenir Book"/>
               </a:rPr>
-              <a:t>Es geht nicht darum, die Ideen zu bewerten, sondern nur, die anderen dabei </a:t>
-            </a:r>
-            <a:r>
-              <a:rPr lang="de-DE">
-                <a:solidFill>
-                  <a:srgbClr val="747982"/>
-                </a:solidFill>
-                <a:latin typeface="Avenir Book"/>
-                <a:cs typeface="Avenir Book"/>
-              </a:rPr>
-              <a:t>mitzunehmen </a:t>
-            </a:r>
-            <a:r>
-              <a:rPr lang="de-DE" smtClean="0">
+              <a:t>Es geht nicht darum, die Ideen zu bewerten, sondern nur, die anderen dabei mitzunehmen </a:t>
+            </a:r>
+            <a:r>
+              <a:rPr lang="de-DE" dirty="0" smtClean="0">
                 <a:solidFill>
                   <a:srgbClr val="747982"/>
                 </a:solidFill>
@@ -2333,7 +2295,7 @@
               <a:t/>
             </a:r>
             <a:br>
-              <a:rPr lang="de-DE" smtClean="0">
+              <a:rPr lang="de-DE" dirty="0" smtClean="0">
                 <a:solidFill>
                   <a:srgbClr val="747982"/>
                 </a:solidFill>
@@ -2342,7 +2304,7 @@
               </a:rPr>
             </a:br>
             <a:r>
-              <a:rPr lang="de-DE" smtClean="0">
+              <a:rPr lang="de-DE" dirty="0" smtClean="0">
                 <a:solidFill>
                   <a:srgbClr val="747982"/>
                 </a:solidFill>

--- a/training-cards/agile moves/Ideas (IDE)/ger/apprentice/ger_IDE_02_Ich_hab_ne_Idee_AM_A.pptx
+++ b/training-cards/agile moves/Ideas (IDE)/ger/apprentice/ger_IDE_02_Ich_hab_ne_Idee_AM_A.pptx
@@ -107,7 +107,7 @@
   </p:defaultTextStyle>
   <p:extLst>
     <p:ext uri="{EFAFB233-063F-42B5-8137-9DF3F51BA10A}">
-      <p15:sldGuideLst xmlns:p15="http://schemas.microsoft.com/office/powerpoint/2012/main">
+      <p15:sldGuideLst xmlns:p15="http://schemas.microsoft.com/office/powerpoint/2012/main" xmlns="">
         <p15:guide id="1" orient="horz" pos="1103">
           <p15:clr>
             <a:srgbClr val="A4A3A4"/>
@@ -612,7 +612,7 @@
                 <a:latin typeface="Avenir Light"/>
                 <a:cs typeface="Avenir Light"/>
               </a:rPr>
-              <a:t>04.11.15</a:t>
+              <a:t>10.11.15</a:t>
             </a:fld>
             <a:endParaRPr lang="de-DE" sz="600" dirty="0">
               <a:solidFill>
@@ -677,26 +677,7 @@
                 <a:cs typeface="Avenir Light"/>
                 <a:sym typeface="Calibri"/>
               </a:rPr>
-              <a:t>To view a copy of this license, visit </a:t>
-            </a:r>
-            <a:r>
-              <a:rPr sz="600" dirty="0">
-                <a:latin typeface="Avenir Light"/>
-                <a:ea typeface="Calibri"/>
-                <a:cs typeface="Avenir Light"/>
-                <a:sym typeface="Calibri"/>
-                <a:hlinkClick r:id="rId3"/>
-              </a:rPr>
-              <a:t>http://creativecommons.org/licenses/by-nc-nd/4.0/</a:t>
-            </a:r>
-            <a:r>
-              <a:rPr sz="600" dirty="0">
-                <a:latin typeface="Avenir Light"/>
-                <a:ea typeface="Calibri"/>
-                <a:cs typeface="Avenir Light"/>
-                <a:sym typeface="Calibri"/>
-              </a:rPr>
-              <a:t>.</a:t>
+              <a:t>To view a copy of this license, visit http://creativecommons.org/licenses/by-nc-nd/4.0/.</a:t>
             </a:r>
           </a:p>
         </p:txBody>
@@ -708,7 +689,7 @@
           <p:nvPr userDrawn="1"/>
         </p:nvPicPr>
         <p:blipFill>
-          <a:blip r:embed="rId4">
+          <a:blip r:embed="rId3">
             <a:extLst/>
           </a:blip>
           <a:stretch>
@@ -927,7 +908,7 @@
           <a:p>
             <a:fld id="{FF5B2BAF-DF38-0A48-A798-0C06E514FD52}" type="datetimeFigureOut">
               <a:rPr lang="de-DE" smtClean="0"/>
-              <a:t>04.11.15</a:t>
+              <a:t>10.11.15</a:t>
             </a:fld>
             <a:endParaRPr lang="de-DE" dirty="0"/>
           </a:p>
@@ -1150,7 +1131,7 @@
           <a:p>
             <a:fld id="{FF5B2BAF-DF38-0A48-A798-0C06E514FD52}" type="datetimeFigureOut">
               <a:rPr lang="de-DE" smtClean="0"/>
-              <a:t>04.11.15</a:t>
+              <a:t>10.11.15</a:t>
             </a:fld>
             <a:endParaRPr lang="de-DE" dirty="0"/>
           </a:p>
